--- a/Automation Project.pptx
+++ b/Automation Project.pptx
@@ -144,8 +144,8 @@
 <pc:chgInfo xmlns:a="http://schemas.openxmlformats.org/drawingml/2006/main" xmlns:r="http://schemas.openxmlformats.org/officeDocument/2006/relationships" xmlns:ac="http://schemas.microsoft.com/office/drawing/2013/main/command" xmlns:pc="http://schemas.microsoft.com/office/powerpoint/2013/main/command">
   <pc:docChgLst>
     <pc:chgData name="aiman abu shakra" userId="bd622f1018c31957" providerId="LiveId" clId="{D0C26A55-B3D7-40D0-BAB0-39877002F65B}"/>
-    <pc:docChg chg="modSld">
-      <pc:chgData name="aiman abu shakra" userId="bd622f1018c31957" providerId="LiveId" clId="{D0C26A55-B3D7-40D0-BAB0-39877002F65B}" dt="2024-11-30T18:24:21.650" v="0" actId="1076"/>
+    <pc:docChg chg="undo custSel modSld">
+      <pc:chgData name="aiman abu shakra" userId="bd622f1018c31957" providerId="LiveId" clId="{D0C26A55-B3D7-40D0-BAB0-39877002F65B}" dt="2024-11-30T18:40:54.293" v="34" actId="1076"/>
       <pc:docMkLst>
         <pc:docMk/>
       </pc:docMkLst>
@@ -163,6 +163,69 @@
             <ac:spMk id="17" creationId="{280A048D-A46E-90F2-8CFA-D69CE0ECA3A1}"/>
           </ac:spMkLst>
         </pc:spChg>
+      </pc:sldChg>
+      <pc:sldChg chg="modSp mod">
+        <pc:chgData name="aiman abu shakra" userId="bd622f1018c31957" providerId="LiveId" clId="{D0C26A55-B3D7-40D0-BAB0-39877002F65B}" dt="2024-11-30T18:40:54.293" v="34" actId="1076"/>
+        <pc:sldMkLst>
+          <pc:docMk/>
+          <pc:sldMk cId="3973191031" sldId="270"/>
+        </pc:sldMkLst>
+        <pc:spChg chg="mod">
+          <ac:chgData name="aiman abu shakra" userId="bd622f1018c31957" providerId="LiveId" clId="{D0C26A55-B3D7-40D0-BAB0-39877002F65B}" dt="2024-11-30T18:37:40.800" v="8" actId="20577"/>
+          <ac:spMkLst>
+            <pc:docMk/>
+            <pc:sldMk cId="3973191031" sldId="270"/>
+            <ac:spMk id="78" creationId="{7AEB2946-14E5-5A77-155D-FE652D5DEDE5}"/>
+          </ac:spMkLst>
+        </pc:spChg>
+        <pc:spChg chg="mod">
+          <ac:chgData name="aiman abu shakra" userId="bd622f1018c31957" providerId="LiveId" clId="{D0C26A55-B3D7-40D0-BAB0-39877002F65B}" dt="2024-11-30T18:40:35.396" v="31" actId="1076"/>
+          <ac:spMkLst>
+            <pc:docMk/>
+            <pc:sldMk cId="3973191031" sldId="270"/>
+            <ac:spMk id="96" creationId="{8244A2A0-09CA-07AF-F9BE-AABA3A26DD52}"/>
+          </ac:spMkLst>
+        </pc:spChg>
+        <pc:picChg chg="mod">
+          <ac:chgData name="aiman abu shakra" userId="bd622f1018c31957" providerId="LiveId" clId="{D0C26A55-B3D7-40D0-BAB0-39877002F65B}" dt="2024-11-30T18:40:54.293" v="34" actId="1076"/>
+          <ac:picMkLst>
+            <pc:docMk/>
+            <pc:sldMk cId="3973191031" sldId="270"/>
+            <ac:picMk id="77" creationId="{D93AFBC5-5C09-DBFF-0A75-022CA7DD3AAB}"/>
+          </ac:picMkLst>
+        </pc:picChg>
+        <pc:picChg chg="mod">
+          <ac:chgData name="aiman abu shakra" userId="bd622f1018c31957" providerId="LiveId" clId="{D0C26A55-B3D7-40D0-BAB0-39877002F65B}" dt="2024-11-30T18:40:00.803" v="26" actId="1076"/>
+          <ac:picMkLst>
+            <pc:docMk/>
+            <pc:sldMk cId="3973191031" sldId="270"/>
+            <ac:picMk id="87" creationId="{F3226E88-EEFA-4DCD-BCF3-376433DE8E23}"/>
+          </ac:picMkLst>
+        </pc:picChg>
+        <pc:picChg chg="mod">
+          <ac:chgData name="aiman abu shakra" userId="bd622f1018c31957" providerId="LiveId" clId="{D0C26A55-B3D7-40D0-BAB0-39877002F65B}" dt="2024-11-30T18:40:02.079" v="28" actId="1076"/>
+          <ac:picMkLst>
+            <pc:docMk/>
+            <pc:sldMk cId="3973191031" sldId="270"/>
+            <ac:picMk id="91" creationId="{9199A48A-4AEF-DE0A-6EC4-1C6E48BD12AF}"/>
+          </ac:picMkLst>
+        </pc:picChg>
+        <pc:picChg chg="mod">
+          <ac:chgData name="aiman abu shakra" userId="bd622f1018c31957" providerId="LiveId" clId="{D0C26A55-B3D7-40D0-BAB0-39877002F65B}" dt="2024-11-30T18:37:47.261" v="10" actId="1076"/>
+          <ac:picMkLst>
+            <pc:docMk/>
+            <pc:sldMk cId="3973191031" sldId="270"/>
+            <ac:picMk id="93" creationId="{2D86E777-86BE-2502-7B9F-86715AE2F6B0}"/>
+          </ac:picMkLst>
+        </pc:picChg>
+        <pc:picChg chg="mod">
+          <ac:chgData name="aiman abu shakra" userId="bd622f1018c31957" providerId="LiveId" clId="{D0C26A55-B3D7-40D0-BAB0-39877002F65B}" dt="2024-11-30T18:40:40.819" v="32" actId="1076"/>
+          <ac:picMkLst>
+            <pc:docMk/>
+            <pc:sldMk cId="3973191031" sldId="270"/>
+            <ac:picMk id="95" creationId="{09F856BA-36AF-6C6E-CD4E-8566241C8360}"/>
+          </ac:picMkLst>
+        </pc:picChg>
       </pc:sldChg>
     </pc:docChg>
   </pc:docChgLst>
@@ -4759,7 +4822,7 @@
         </p:nvSpPr>
         <p:spPr>
           <a:xfrm>
-            <a:off x="838200" y="800100"/>
+            <a:off x="557793" y="715479"/>
             <a:ext cx="16819399" cy="8072105"/>
           </a:xfrm>
           <a:prstGeom prst="rect">
@@ -5439,7 +5502,7 @@
         </p:blipFill>
         <p:spPr>
           <a:xfrm>
-            <a:off x="1041542" y="2223719"/>
+            <a:off x="1167734" y="2267168"/>
             <a:ext cx="914400" cy="914400"/>
           </a:xfrm>
           <a:prstGeom prst="rect">
@@ -5462,7 +5525,7 @@
         <p:spPr>
           <a:xfrm>
             <a:off x="2087329" y="2388900"/>
-            <a:ext cx="5578401" cy="5509200"/>
+            <a:ext cx="5578401" cy="5016758"/>
           </a:xfrm>
           <a:prstGeom prst="rect">
             <a:avLst/>
@@ -5486,7 +5549,7 @@
           <a:p>
             <a:r>
               <a:rPr lang="en-US" sz="3200" dirty="0"/>
-              <a:t>Parallel execution of tests</a:t>
+              <a:t>Reduced manual testing effort</a:t>
             </a:r>
           </a:p>
           <a:p>
@@ -5513,17 +5576,10 @@
           <a:p>
             <a:r>
               <a:rPr lang="en-US" sz="3200" dirty="0"/>
-              <a:t>Reduced manual testing effort</a:t>
-            </a:r>
-          </a:p>
-          <a:p>
-            <a:endParaRPr lang="en-US" sz="3200" dirty="0"/>
-          </a:p>
-          <a:p>
-            <a:r>
-              <a:rPr lang="en-US" sz="3200" dirty="0"/>
-              <a:t> </a:t>
-            </a:r>
+              <a:t> Parallel execution of tests</a:t>
+            </a:r>
+          </a:p>
+          <a:p>
             <a:endParaRPr lang="en-IL" sz="3200" dirty="0"/>
           </a:p>
         </p:txBody>
@@ -5628,7 +5684,7 @@
         </p:blipFill>
         <p:spPr>
           <a:xfrm>
-            <a:off x="1251637" y="5110512"/>
+            <a:off x="1162538" y="4968540"/>
             <a:ext cx="914400" cy="914400"/>
           </a:xfrm>
           <a:prstGeom prst="rect">
@@ -5700,7 +5756,7 @@
         </p:blipFill>
         <p:spPr>
           <a:xfrm>
-            <a:off x="1054944" y="3138119"/>
+            <a:off x="1214208" y="6166905"/>
             <a:ext cx="914400" cy="914400"/>
           </a:xfrm>
           <a:prstGeom prst="rect">
@@ -5736,7 +5792,7 @@
         </p:blipFill>
         <p:spPr>
           <a:xfrm>
-            <a:off x="1172929" y="6115344"/>
+            <a:off x="1214208" y="3217430"/>
             <a:ext cx="914400" cy="914400"/>
           </a:xfrm>
           <a:prstGeom prst="rect">

--- a/Automation Project.pptx
+++ b/Automation Project.pptx
@@ -145,18 +145,41 @@
   <pc:docChgLst>
     <pc:chgData name="aiman abu shakra" userId="bd622f1018c31957" providerId="LiveId" clId="{D0C26A55-B3D7-40D0-BAB0-39877002F65B}"/>
     <pc:docChg chg="undo custSel modSld">
-      <pc:chgData name="aiman abu shakra" userId="bd622f1018c31957" providerId="LiveId" clId="{D0C26A55-B3D7-40D0-BAB0-39877002F65B}" dt="2024-11-30T18:40:54.293" v="34" actId="1076"/>
+      <pc:chgData name="aiman abu shakra" userId="bd622f1018c31957" providerId="LiveId" clId="{D0C26A55-B3D7-40D0-BAB0-39877002F65B}" dt="2024-12-07T14:36:16.191" v="60" actId="20577"/>
       <pc:docMkLst>
         <pc:docMk/>
       </pc:docMkLst>
       <pc:sldChg chg="modSp mod">
-        <pc:chgData name="aiman abu shakra" userId="bd622f1018c31957" providerId="LiveId" clId="{D0C26A55-B3D7-40D0-BAB0-39877002F65B}" dt="2024-11-30T18:24:21.650" v="0" actId="1076"/>
+        <pc:chgData name="aiman abu shakra" userId="bd622f1018c31957" providerId="LiveId" clId="{D0C26A55-B3D7-40D0-BAB0-39877002F65B}" dt="2024-12-07T14:34:24.839" v="55" actId="1076"/>
+        <pc:sldMkLst>
+          <pc:docMk/>
+          <pc:sldMk cId="0" sldId="259"/>
+        </pc:sldMkLst>
+        <pc:spChg chg="mod">
+          <ac:chgData name="aiman abu shakra" userId="bd622f1018c31957" providerId="LiveId" clId="{D0C26A55-B3D7-40D0-BAB0-39877002F65B}" dt="2024-12-07T14:34:24.839" v="55" actId="1076"/>
+          <ac:spMkLst>
+            <pc:docMk/>
+            <pc:sldMk cId="0" sldId="259"/>
+            <ac:spMk id="33" creationId="{DF3789CD-299D-9887-7E41-152C6624C264}"/>
+          </ac:spMkLst>
+        </pc:spChg>
+        <pc:picChg chg="mod">
+          <ac:chgData name="aiman abu shakra" userId="bd622f1018c31957" providerId="LiveId" clId="{D0C26A55-B3D7-40D0-BAB0-39877002F65B}" dt="2024-12-04T13:06:39.556" v="40" actId="1076"/>
+          <ac:picMkLst>
+            <pc:docMk/>
+            <pc:sldMk cId="0" sldId="259"/>
+            <ac:picMk id="40" creationId="{6CE56883-BBEA-824B-8F3A-B55353C373C4}"/>
+          </ac:picMkLst>
+        </pc:picChg>
+      </pc:sldChg>
+      <pc:sldChg chg="modSp mod">
+        <pc:chgData name="aiman abu shakra" userId="bd622f1018c31957" providerId="LiveId" clId="{D0C26A55-B3D7-40D0-BAB0-39877002F65B}" dt="2024-12-07T14:36:16.191" v="60" actId="20577"/>
         <pc:sldMkLst>
           <pc:docMk/>
           <pc:sldMk cId="0" sldId="265"/>
         </pc:sldMkLst>
         <pc:spChg chg="mod">
-          <ac:chgData name="aiman abu shakra" userId="bd622f1018c31957" providerId="LiveId" clId="{D0C26A55-B3D7-40D0-BAB0-39877002F65B}" dt="2024-11-30T18:24:21.650" v="0" actId="1076"/>
+          <ac:chgData name="aiman abu shakra" userId="bd622f1018c31957" providerId="LiveId" clId="{D0C26A55-B3D7-40D0-BAB0-39877002F65B}" dt="2024-12-07T14:36:16.191" v="60" actId="20577"/>
           <ac:spMkLst>
             <pc:docMk/>
             <pc:sldMk cId="0" sldId="265"/>
@@ -164,14 +187,30 @@
           </ac:spMkLst>
         </pc:spChg>
       </pc:sldChg>
-      <pc:sldChg chg="modSp mod">
-        <pc:chgData name="aiman abu shakra" userId="bd622f1018c31957" providerId="LiveId" clId="{D0C26A55-B3D7-40D0-BAB0-39877002F65B}" dt="2024-11-30T18:40:54.293" v="34" actId="1076"/>
+      <pc:sldChg chg="delSp modSp mod">
+        <pc:chgData name="aiman abu shakra" userId="bd622f1018c31957" providerId="LiveId" clId="{D0C26A55-B3D7-40D0-BAB0-39877002F65B}" dt="2024-12-07T14:33:57.554" v="53" actId="20577"/>
         <pc:sldMkLst>
           <pc:docMk/>
           <pc:sldMk cId="3973191031" sldId="270"/>
         </pc:sldMkLst>
         <pc:spChg chg="mod">
-          <ac:chgData name="aiman abu shakra" userId="bd622f1018c31957" providerId="LiveId" clId="{D0C26A55-B3D7-40D0-BAB0-39877002F65B}" dt="2024-11-30T18:37:40.800" v="8" actId="20577"/>
+          <ac:chgData name="aiman abu shakra" userId="bd622f1018c31957" providerId="LiveId" clId="{D0C26A55-B3D7-40D0-BAB0-39877002F65B}" dt="2024-12-07T14:33:57.554" v="53" actId="20577"/>
+          <ac:spMkLst>
+            <pc:docMk/>
+            <pc:sldMk cId="3973191031" sldId="270"/>
+            <ac:spMk id="70" creationId="{55376269-E13D-682B-0486-3AE88D9F4914}"/>
+          </ac:spMkLst>
+        </pc:spChg>
+        <pc:spChg chg="mod">
+          <ac:chgData name="aiman abu shakra" userId="bd622f1018c31957" providerId="LiveId" clId="{D0C26A55-B3D7-40D0-BAB0-39877002F65B}" dt="2024-12-04T13:29:50.625" v="50" actId="1076"/>
+          <ac:spMkLst>
+            <pc:docMk/>
+            <pc:sldMk cId="3973191031" sldId="270"/>
+            <ac:spMk id="73" creationId="{99E7D63B-7BA8-8D48-39FE-34040894DD6E}"/>
+          </ac:spMkLst>
+        </pc:spChg>
+        <pc:spChg chg="mod">
+          <ac:chgData name="aiman abu shakra" userId="bd622f1018c31957" providerId="LiveId" clId="{D0C26A55-B3D7-40D0-BAB0-39877002F65B}" dt="2024-12-07T14:33:47.934" v="51" actId="20577"/>
           <ac:spMkLst>
             <pc:docMk/>
             <pc:sldMk cId="3973191031" sldId="270"/>
@@ -210,8 +249,8 @@
             <ac:picMk id="91" creationId="{9199A48A-4AEF-DE0A-6EC4-1C6E48BD12AF}"/>
           </ac:picMkLst>
         </pc:picChg>
-        <pc:picChg chg="mod">
-          <ac:chgData name="aiman abu shakra" userId="bd622f1018c31957" providerId="LiveId" clId="{D0C26A55-B3D7-40D0-BAB0-39877002F65B}" dt="2024-11-30T18:37:47.261" v="10" actId="1076"/>
+        <pc:picChg chg="del mod">
+          <ac:chgData name="aiman abu shakra" userId="bd622f1018c31957" providerId="LiveId" clId="{D0C26A55-B3D7-40D0-BAB0-39877002F65B}" dt="2024-12-07T14:33:50.583" v="52" actId="478"/>
           <ac:picMkLst>
             <pc:docMk/>
             <pc:sldMk cId="3973191031" sldId="270"/>
@@ -226,6 +265,29 @@
             <ac:picMk id="95" creationId="{09F856BA-36AF-6C6E-CD4E-8566241C8360}"/>
           </ac:picMkLst>
         </pc:picChg>
+      </pc:sldChg>
+      <pc:sldChg chg="modSp mod">
+        <pc:chgData name="aiman abu shakra" userId="bd622f1018c31957" providerId="LiveId" clId="{D0C26A55-B3D7-40D0-BAB0-39877002F65B}" dt="2024-12-07T14:35:47.368" v="59" actId="12"/>
+        <pc:sldMkLst>
+          <pc:docMk/>
+          <pc:sldMk cId="1913837326" sldId="272"/>
+        </pc:sldMkLst>
+        <pc:spChg chg="mod">
+          <ac:chgData name="aiman abu shakra" userId="bd622f1018c31957" providerId="LiveId" clId="{D0C26A55-B3D7-40D0-BAB0-39877002F65B}" dt="2024-12-07T14:35:47.368" v="59" actId="12"/>
+          <ac:spMkLst>
+            <pc:docMk/>
+            <pc:sldMk cId="1913837326" sldId="272"/>
+            <ac:spMk id="22" creationId="{1225F7F1-17E1-A432-F3B5-7CE825B80E68}"/>
+          </ac:spMkLst>
+        </pc:spChg>
+        <pc:spChg chg="mod">
+          <ac:chgData name="aiman abu shakra" userId="bd622f1018c31957" providerId="LiveId" clId="{D0C26A55-B3D7-40D0-BAB0-39877002F65B}" dt="2024-12-07T14:35:14.338" v="57" actId="255"/>
+          <ac:spMkLst>
+            <pc:docMk/>
+            <pc:sldMk cId="1913837326" sldId="272"/>
+            <ac:spMk id="45" creationId="{BE339E96-AA00-914F-A757-D63AEB1A06BC}"/>
+          </ac:spMkLst>
+        </pc:spChg>
       </pc:sldChg>
     </pc:docChg>
   </pc:docChgLst>
@@ -314,7 +376,7 @@
           <a:p>
             <a:fld id="{0056E66D-CAED-4D38-AE3B-BDA47FFF43A0}" type="datetimeFigureOut">
               <a:rPr lang="en-IL" smtClean="0"/>
-              <a:t>30/11/2024</a:t>
+              <a:t>02/12/2024</a:t>
             </a:fld>
             <a:endParaRPr lang="en-IL"/>
           </a:p>
@@ -1014,7 +1076,7 @@
             <a:fld id="{1D8BD707-D9CF-40AE-B4C6-C98DA3205C09}" type="datetimeFigureOut">
               <a:rPr lang="en-US" smtClean="0"/>
               <a:pPr/>
-              <a:t>11/30/2024</a:t>
+              <a:t>12/2/2024</a:t>
             </a:fld>
             <a:endParaRPr lang="en-US"/>
           </a:p>
@@ -1179,7 +1241,7 @@
             <a:fld id="{1D8BD707-D9CF-40AE-B4C6-C98DA3205C09}" type="datetimeFigureOut">
               <a:rPr lang="en-US" smtClean="0"/>
               <a:pPr/>
-              <a:t>11/30/2024</a:t>
+              <a:t>12/2/2024</a:t>
             </a:fld>
             <a:endParaRPr lang="en-US"/>
           </a:p>
@@ -1354,7 +1416,7 @@
             <a:fld id="{1D8BD707-D9CF-40AE-B4C6-C98DA3205C09}" type="datetimeFigureOut">
               <a:rPr lang="en-US" smtClean="0"/>
               <a:pPr/>
-              <a:t>11/30/2024</a:t>
+              <a:t>12/2/2024</a:t>
             </a:fld>
             <a:endParaRPr lang="en-US"/>
           </a:p>
@@ -1519,7 +1581,7 @@
             <a:fld id="{1D8BD707-D9CF-40AE-B4C6-C98DA3205C09}" type="datetimeFigureOut">
               <a:rPr lang="en-US" smtClean="0"/>
               <a:pPr/>
-              <a:t>11/30/2024</a:t>
+              <a:t>12/2/2024</a:t>
             </a:fld>
             <a:endParaRPr lang="en-US"/>
           </a:p>
@@ -1761,7 +1823,7 @@
             <a:fld id="{1D8BD707-D9CF-40AE-B4C6-C98DA3205C09}" type="datetimeFigureOut">
               <a:rPr lang="en-US" smtClean="0"/>
               <a:pPr/>
-              <a:t>11/30/2024</a:t>
+              <a:t>12/2/2024</a:t>
             </a:fld>
             <a:endParaRPr lang="en-US"/>
           </a:p>
@@ -2043,7 +2105,7 @@
             <a:fld id="{1D8BD707-D9CF-40AE-B4C6-C98DA3205C09}" type="datetimeFigureOut">
               <a:rPr lang="en-US" smtClean="0"/>
               <a:pPr/>
-              <a:t>11/30/2024</a:t>
+              <a:t>12/2/2024</a:t>
             </a:fld>
             <a:endParaRPr lang="en-US"/>
           </a:p>
@@ -2459,7 +2521,7 @@
             <a:fld id="{1D8BD707-D9CF-40AE-B4C6-C98DA3205C09}" type="datetimeFigureOut">
               <a:rPr lang="en-US" smtClean="0"/>
               <a:pPr/>
-              <a:t>11/30/2024</a:t>
+              <a:t>12/2/2024</a:t>
             </a:fld>
             <a:endParaRPr lang="en-US"/>
           </a:p>
@@ -2573,7 +2635,7 @@
             <a:fld id="{1D8BD707-D9CF-40AE-B4C6-C98DA3205C09}" type="datetimeFigureOut">
               <a:rPr lang="en-US" smtClean="0"/>
               <a:pPr/>
-              <a:t>11/30/2024</a:t>
+              <a:t>12/2/2024</a:t>
             </a:fld>
             <a:endParaRPr lang="en-US"/>
           </a:p>
@@ -2665,7 +2727,7 @@
             <a:fld id="{1D8BD707-D9CF-40AE-B4C6-C98DA3205C09}" type="datetimeFigureOut">
               <a:rPr lang="en-US" smtClean="0"/>
               <a:pPr/>
-              <a:t>11/30/2024</a:t>
+              <a:t>12/2/2024</a:t>
             </a:fld>
             <a:endParaRPr lang="en-US"/>
           </a:p>
@@ -2937,7 +2999,7 @@
             <a:fld id="{1D8BD707-D9CF-40AE-B4C6-C98DA3205C09}" type="datetimeFigureOut">
               <a:rPr lang="en-US" smtClean="0"/>
               <a:pPr/>
-              <a:t>11/30/2024</a:t>
+              <a:t>12/2/2024</a:t>
             </a:fld>
             <a:endParaRPr lang="en-US"/>
           </a:p>
@@ -3186,7 +3248,7 @@
             <a:fld id="{1D8BD707-D9CF-40AE-B4C6-C98DA3205C09}" type="datetimeFigureOut">
               <a:rPr lang="en-US" smtClean="0"/>
               <a:pPr/>
-              <a:t>11/30/2024</a:t>
+              <a:t>12/2/2024</a:t>
             </a:fld>
             <a:endParaRPr lang="en-US"/>
           </a:p>
@@ -3394,7 +3456,7 @@
             <a:fld id="{1D8BD707-D9CF-40AE-B4C6-C98DA3205C09}" type="datetimeFigureOut">
               <a:rPr lang="en-US" smtClean="0"/>
               <a:pPr/>
-              <a:t>11/30/2024</a:t>
+              <a:t>12/2/2024</a:t>
             </a:fld>
             <a:endParaRPr lang="en-US"/>
           </a:p>
@@ -4674,8 +4736,8 @@
         </p:nvSpPr>
         <p:spPr>
           <a:xfrm>
-            <a:off x="914400" y="168504"/>
-            <a:ext cx="6217844" cy="1692771"/>
+            <a:off x="944880" y="839514"/>
+            <a:ext cx="6217844" cy="954107"/>
           </a:xfrm>
           <a:prstGeom prst="rect">
             <a:avLst/>
@@ -4688,26 +4750,6 @@
           </a:bodyPr>
           <a:lstStyle/>
           <a:p>
-            <a:r>
-              <a:rPr lang="en-US" sz="4400" dirty="0">
-                <a:ln w="0">
-                  <a:solidFill>
-                    <a:schemeClr val="accent5"/>
-                  </a:solidFill>
-                </a:ln>
-                <a:solidFill>
-                  <a:schemeClr val="bg1"/>
-                </a:solidFill>
-                <a:effectLst>
-                  <a:outerShdw blurRad="50800" dist="38100" dir="18900000" algn="bl" rotWithShape="0">
-                    <a:prstClr val="black">
-                      <a:alpha val="40000"/>
-                    </a:prstClr>
-                  </a:outerShdw>
-                </a:effectLst>
-              </a:rPr>
-              <a:t>Website: </a:t>
-            </a:r>
             <a:r>
               <a:rPr lang="en-US" sz="2800" dirty="0">
                 <a:ln w="0"/>
@@ -4775,7 +4817,7 @@
         </p:blipFill>
         <p:spPr>
           <a:xfrm>
-            <a:off x="0" y="8644325"/>
+            <a:off x="16969503" y="-129851"/>
             <a:ext cx="1318497" cy="1552319"/>
           </a:xfrm>
           <a:prstGeom prst="rect">
@@ -5159,8 +5201,8 @@
         </p:nvSpPr>
         <p:spPr>
           <a:xfrm>
-            <a:off x="8945355" y="368919"/>
-            <a:ext cx="11550843" cy="5940088"/>
+            <a:off x="8945356" y="368919"/>
+            <a:ext cx="10333244" cy="4308872"/>
           </a:xfrm>
           <a:prstGeom prst="rect">
             <a:avLst/>
@@ -5206,7 +5248,7 @@
             </a:pPr>
             <a:r>
               <a:rPr lang="en-US" sz="4000" b="1" u="sng" dirty="0"/>
-              <a:t>Programming Paradigms</a:t>
+              <a:t>Programming Paradigm</a:t>
             </a:r>
           </a:p>
           <a:p>
@@ -5252,46 +5294,8 @@
             </a:pPr>
             <a:r>
               <a:rPr lang="en-US" sz="3600" dirty="0"/>
-              <a:t>(OOP) – 30 Tests </a:t>
-            </a:r>
-          </a:p>
-          <a:p>
-            <a:pPr marL="571500" marR="0" lvl="0" indent="-571500" algn="l" defTabSz="914400" rtl="0" eaLnBrk="0" fontAlgn="base" latinLnBrk="0" hangingPunct="0">
-              <a:lnSpc>
-                <a:spcPct val="150000"/>
-              </a:lnSpc>
-              <a:spcBef>
-                <a:spcPct val="0"/>
-              </a:spcBef>
-              <a:spcAft>
-                <a:spcPct val="0"/>
-              </a:spcAft>
-              <a:buClrTx/>
-              <a:buSzTx/>
-              <a:buFont typeface="Wingdings" panose="05000000000000000000" pitchFamily="2" charset="2"/>
-              <a:buChar char="q"/>
-              <a:tabLst/>
-            </a:pPr>
-            <a:r>
-              <a:rPr lang="en-US" sz="3600" dirty="0"/>
-              <a:t>Procedural Programming. – 5 Tests</a:t>
-            </a:r>
-          </a:p>
-          <a:p>
-            <a:pPr marL="0" marR="0" lvl="0" indent="0" algn="l" defTabSz="914400" rtl="0" eaLnBrk="0" fontAlgn="base" latinLnBrk="0" hangingPunct="0">
-              <a:lnSpc>
-                <a:spcPct val="100000"/>
-              </a:lnSpc>
-              <a:spcBef>
-                <a:spcPct val="0"/>
-              </a:spcBef>
-              <a:spcAft>
-                <a:spcPct val="0"/>
-              </a:spcAft>
-              <a:buClrTx/>
-              <a:buSzTx/>
-              <a:tabLst/>
-            </a:pPr>
+              <a:t>(OOP) – 35 Tests </a:t>
+            </a:r>
             <a:endParaRPr lang="en-US" sz="4000" b="1" dirty="0"/>
           </a:p>
           <a:p>
@@ -5327,7 +5331,7 @@
         </p:nvSpPr>
         <p:spPr>
           <a:xfrm>
-            <a:off x="8967493" y="4263653"/>
+            <a:off x="8929780" y="3651770"/>
             <a:ext cx="11125200" cy="4216539"/>
           </a:xfrm>
           <a:prstGeom prst="rect">
@@ -5525,7 +5529,7 @@
         <p:spPr>
           <a:xfrm>
             <a:off x="2087329" y="2388900"/>
-            <a:ext cx="5578401" cy="5016758"/>
+            <a:ext cx="5578401" cy="4524315"/>
           </a:xfrm>
           <a:prstGeom prst="rect">
             <a:avLst/>
@@ -5576,10 +5580,8 @@
           <a:p>
             <a:r>
               <a:rPr lang="en-US" sz="3200" dirty="0"/>
-              <a:t> Parallel execution of tests</a:t>
-            </a:r>
-          </a:p>
-          <a:p>
+              <a:t> </a:t>
+            </a:r>
             <a:endParaRPr lang="en-IL" sz="3200" dirty="0"/>
           </a:p>
         </p:txBody>
@@ -5730,10 +5732,10 @@
       </p:pic>
       <p:pic>
         <p:nvPicPr>
-          <p:cNvPr id="93" name="Graphic 92" descr="Internet with solid fill">
+          <p:cNvPr id="95" name="Graphic 94" descr="Programmer male with solid fill">
             <a:extLst>
               <a:ext uri="{FF2B5EF4-FFF2-40B4-BE49-F238E27FC236}">
-                <a16:creationId xmlns:a16="http://schemas.microsoft.com/office/drawing/2014/main" id="{2D86E777-86BE-2502-7B9F-86715AE2F6B0}"/>
+                <a16:creationId xmlns:a16="http://schemas.microsoft.com/office/drawing/2014/main" id="{09F856BA-36AF-6C6E-CD4E-8566241C8360}"/>
               </a:ext>
             </a:extLst>
           </p:cNvPr>
@@ -5756,42 +5758,6 @@
         </p:blipFill>
         <p:spPr>
           <a:xfrm>
-            <a:off x="1214208" y="6166905"/>
-            <a:ext cx="914400" cy="914400"/>
-          </a:xfrm>
-          <a:prstGeom prst="rect">
-            <a:avLst/>
-          </a:prstGeom>
-        </p:spPr>
-      </p:pic>
-      <p:pic>
-        <p:nvPicPr>
-          <p:cNvPr id="95" name="Graphic 94" descr="Programmer male with solid fill">
-            <a:extLst>
-              <a:ext uri="{FF2B5EF4-FFF2-40B4-BE49-F238E27FC236}">
-                <a16:creationId xmlns:a16="http://schemas.microsoft.com/office/drawing/2014/main" id="{09F856BA-36AF-6C6E-CD4E-8566241C8360}"/>
-              </a:ext>
-            </a:extLst>
-          </p:cNvPr>
-          <p:cNvPicPr>
-            <a:picLocks noChangeAspect="1"/>
-          </p:cNvPicPr>
-          <p:nvPr/>
-        </p:nvPicPr>
-        <p:blipFill>
-          <a:blip r:embed="rId13">
-            <a:extLst>
-              <a:ext uri="{96DAC541-7B7A-43D3-8B79-37D633B846F1}">
-                <asvg:svgBlip xmlns:asvg="http://schemas.microsoft.com/office/drawing/2016/SVG/main" r:embed="rId14"/>
-              </a:ext>
-            </a:extLst>
-          </a:blip>
-          <a:stretch>
-            <a:fillRect/>
-          </a:stretch>
-        </p:blipFill>
-        <p:spPr>
-          <a:xfrm>
             <a:off x="1214208" y="3217430"/>
             <a:ext cx="914400" cy="914400"/>
           </a:xfrm>
@@ -5815,7 +5781,7 @@
           <p:nvPr/>
         </p:nvPicPr>
         <p:blipFill>
-          <a:blip r:embed="rId15">
+          <a:blip r:embed="rId13">
             <a:extLst>
               <a:ext uri="{28A0092B-C50C-407E-A947-70E740481C1C}">
                 <a14:useLocalDpi xmlns:a14="http://schemas.microsoft.com/office/drawing/2010/main" val="0"/>
@@ -6877,8 +6843,8 @@
               <a:lnSpc>
                 <a:spcPct val="150000"/>
               </a:lnSpc>
-              <a:buFont typeface="Wingdings" panose="05000000000000000000" pitchFamily="2" charset="2"/>
-              <a:buChar char="ü"/>
+              <a:buFont typeface="Calibri" panose="020F0502020204030204" pitchFamily="34" charset="0"/>
+              <a:buChar char="X"/>
             </a:pPr>
             <a:r>
               <a:rPr lang="en-US" sz="2400" dirty="0"/>
@@ -7649,7 +7615,7 @@
         <p:spPr>
           <a:xfrm>
             <a:off x="12800601" y="6712819"/>
-            <a:ext cx="3861936" cy="2814617"/>
+            <a:ext cx="3861936" cy="2950744"/>
           </a:xfrm>
           <a:prstGeom prst="rect">
             <a:avLst/>
@@ -7670,7 +7636,7 @@
               <a:buChar char="ü"/>
             </a:pPr>
             <a:r>
-              <a:rPr lang="en-US" sz="2000" dirty="0"/>
+              <a:rPr lang="en-US" sz="2100" dirty="0"/>
               <a:t>Page with Many Elements</a:t>
             </a:r>
           </a:p>
@@ -7683,7 +7649,7 @@
               <a:buChar char="ü"/>
             </a:pPr>
             <a:r>
-              <a:rPr lang="en-US" sz="2000" dirty="0"/>
+              <a:rPr lang="en-US" sz="2100" dirty="0"/>
               <a:t>Fake Landing Page</a:t>
             </a:r>
           </a:p>
@@ -7696,7 +7662,7 @@
               <a:buChar char="ü"/>
             </a:pPr>
             <a:r>
-              <a:rPr lang="en-US" sz="2000" dirty="0"/>
+              <a:rPr lang="en-US" sz="2100" dirty="0"/>
               <a:t>Fill Out Forms</a:t>
             </a:r>
           </a:p>
@@ -7709,7 +7675,7 @@
               <a:buChar char="ü"/>
             </a:pPr>
             <a:r>
-              <a:rPr lang="en-US" sz="2000" dirty="0"/>
+              <a:rPr lang="en-US" sz="2100" dirty="0"/>
               <a:t>Learn How to Automate Page</a:t>
             </a:r>
           </a:p>
@@ -7722,7 +7688,7 @@
               <a:buChar char="ü"/>
             </a:pPr>
             <a:r>
-              <a:rPr lang="en-US" sz="2000" dirty="0"/>
+              <a:rPr lang="en-US" sz="2100" dirty="0"/>
               <a:t>Login Page</a:t>
             </a:r>
           </a:p>
@@ -7734,7 +7700,7 @@
               <a:buFont typeface="Wingdings" panose="05000000000000000000" pitchFamily="2" charset="2"/>
               <a:buChar char="ü"/>
             </a:pPr>
-            <a:endParaRPr lang="en-IL" sz="2000" dirty="0"/>
+            <a:endParaRPr lang="en-IL" sz="2100" dirty="0"/>
           </a:p>
         </p:txBody>
       </p:sp>
@@ -8027,7 +7993,7 @@
         <p:spPr>
           <a:xfrm>
             <a:off x="2411181" y="1790700"/>
-            <a:ext cx="12153137" cy="4278094"/>
+            <a:ext cx="12153137" cy="4770537"/>
           </a:xfrm>
           <a:prstGeom prst="rect">
             <a:avLst/>
@@ -8059,6 +8025,9 @@
               <a:rPr lang="en-US" sz="3200" dirty="0"/>
               <a:t>Completing a test automation project was both challenging and rewarding. While there may be obstacles in learning new tools and techniques, overcoming these challenges provides a sense of accomplishment.</a:t>
             </a:r>
+          </a:p>
+          <a:p>
+            <a:endParaRPr lang="en-US" sz="3200" dirty="0"/>
           </a:p>
           <a:p>
             <a:r>
